--- a/Final Presentation-ISE 555 Project.pptx
+++ b/Final Presentation-ISE 555 Project.pptx
@@ -762,12 +762,8 @@
           <a:lstStyle/>
           <a:p>
             <a:r>
-              <a:rPr lang="en-US" dirty="0"/>
-              <a:t>NCSU / </a:t>
-            </a:r>
-            <a:r>
-              <a:rPr lang="en-US" dirty="0" err="1"/>
-              <a:t>ISyE</a:t>
+              <a:rPr lang="en-US" smtClean="0"/>
+              <a:t>NCSU ISE</a:t>
             </a:r>
             <a:endParaRPr lang="en-US" dirty="0"/>
           </a:p>
@@ -1570,12 +1566,8 @@
           </a:lstStyle>
           <a:p>
             <a:r>
-              <a:rPr lang="en-US" dirty="0"/>
-              <a:t>NCSU / </a:t>
-            </a:r>
-            <a:r>
-              <a:rPr lang="en-US" dirty="0" err="1"/>
-              <a:t>ISyE</a:t>
+              <a:rPr lang="en-US" smtClean="0"/>
+              <a:t>NCSU ISE</a:t>
             </a:r>
             <a:endParaRPr lang="en-US" dirty="0"/>
           </a:p>
@@ -1655,7 +1647,7 @@
   <p:clrMapOvr>
     <a:masterClrMapping/>
   </p:clrMapOvr>
-  <p:extLst>
+  <p:extLst mod="1">
     <p:ext uri="{DCECCB84-F9BA-43D5-87BE-67443E8EF086}">
       <p15:sldGuideLst xmlns:p15="http://schemas.microsoft.com/office/powerpoint/2012/main">
         <p15:guide id="1" orient="horz" pos="2160">
@@ -4061,8 +4053,8 @@
           <a:lstStyle/>
           <a:p>
             <a:r>
-              <a:rPr lang="en-US"/>
-              <a:t>NCSU / ISyE</a:t>
+              <a:rPr lang="en-US" smtClean="0"/>
+              <a:t>NCSU ISE</a:t>
             </a:r>
             <a:endParaRPr lang="en-US" dirty="0"/>
           </a:p>
@@ -4289,11 +4281,11 @@
           <a:p>
             <a:r>
               <a:rPr lang="en-US" dirty="0"/>
-              <a:t>NCSU / </a:t>
-            </a:r>
-            <a:r>
-              <a:rPr lang="en-US" dirty="0" err="1"/>
-              <a:t>ISyE</a:t>
+              <a:t>NCSU </a:t>
+            </a:r>
+            <a:r>
+              <a:rPr lang="en-US" dirty="0" smtClean="0"/>
+              <a:t>ISE</a:t>
             </a:r>
             <a:endParaRPr lang="en-US" dirty="0"/>
           </a:p>
@@ -4914,8 +4906,12 @@
           <a:lstStyle/>
           <a:p>
             <a:r>
-              <a:rPr lang="en-US"/>
-              <a:t>NCSU / ISyE</a:t>
+              <a:rPr lang="en-US" dirty="0"/>
+              <a:t>NCSU </a:t>
+            </a:r>
+            <a:r>
+              <a:rPr lang="en-US" dirty="0" smtClean="0"/>
+              <a:t>ISE</a:t>
             </a:r>
             <a:endParaRPr lang="en-US" dirty="0"/>
           </a:p>
@@ -5015,8 +5011,13 @@
             </a:pPr>
             <a:r>
               <a:rPr lang="en-IN" sz="2400" b="1" dirty="0"/>
-              <a:t>A Common Data Source: </a:t>
-            </a:r>
+              <a:t>A </a:t>
+            </a:r>
+            <a:r>
+              <a:rPr lang="en-IN" sz="2400" b="1" dirty="0" smtClean="0"/>
+              <a:t>Common Data Source (Unified Namespace): </a:t>
+            </a:r>
+            <a:endParaRPr lang="en-IN" sz="2400" b="1" dirty="0"/>
           </a:p>
           <a:p>
             <a:pPr lvl="1"/>
@@ -5142,7 +5143,7 @@
                 <a16:creationId xmlns:a16="http://schemas.microsoft.com/office/drawing/2014/main" id="{7CA0DAA6-33B8-4A25-810D-2F4D816FB40E}"/>
               </a:ext>
               <a:ext uri="{C183D7F6-B498-43B3-948B-1728B52AA6E4}">
-                <adec:decorative xmlns:adec="http://schemas.microsoft.com/office/drawing/2017/decorative" val="1"/>
+                <adec:decorative xmlns:adec="http://schemas.microsoft.com/office/drawing/2017/decorative" xmlns="" val="1"/>
               </a:ext>
             </a:extLst>
           </p:cNvPr>
@@ -5336,7 +5337,7 @@
               </a:spcAft>
             </a:pPr>
             <a:r>
-              <a:rPr lang="en-US" kern="1200">
+              <a:rPr lang="en-US" kern="1200" dirty="0" smtClean="0">
                 <a:solidFill>
                   <a:srgbClr val="898989"/>
                 </a:solidFill>
@@ -5344,8 +5345,16 @@
                 <a:ea typeface="+mn-ea"/>
                 <a:cs typeface="+mn-cs"/>
               </a:rPr>
-              <a:t>NCSU / ISyE</a:t>
-            </a:r>
+              <a:t>NCSU ISE</a:t>
+            </a:r>
+            <a:endParaRPr lang="en-US" kern="1200" dirty="0">
+              <a:solidFill>
+                <a:srgbClr val="898989"/>
+              </a:solidFill>
+              <a:latin typeface="+mn-lt"/>
+              <a:ea typeface="+mn-ea"/>
+              <a:cs typeface="+mn-cs"/>
+            </a:endParaRPr>
           </a:p>
         </p:txBody>
       </p:sp>
@@ -5450,7 +5459,7 @@
                 <a16:creationId xmlns:a16="http://schemas.microsoft.com/office/drawing/2014/main" id="{7CA0DAA6-33B8-4A25-810D-2F4D816FB40E}"/>
               </a:ext>
               <a:ext uri="{C183D7F6-B498-43B3-948B-1728B52AA6E4}">
-                <adec:decorative xmlns:adec="http://schemas.microsoft.com/office/drawing/2017/decorative" val="1"/>
+                <adec:decorative xmlns:adec="http://schemas.microsoft.com/office/drawing/2017/decorative" xmlns="" val="1"/>
               </a:ext>
             </a:extLst>
           </p:cNvPr>
@@ -5593,7 +5602,7 @@
               </a:spcAft>
             </a:pPr>
             <a:r>
-              <a:rPr lang="en-US" kern="1200">
+              <a:rPr lang="en-US" kern="1200" smtClean="0">
                 <a:solidFill>
                   <a:srgbClr val="898989"/>
                 </a:solidFill>
@@ -5601,8 +5610,16 @@
                 <a:ea typeface="+mn-ea"/>
                 <a:cs typeface="+mn-cs"/>
               </a:rPr>
-              <a:t>NCSU / ISyE</a:t>
-            </a:r>
+              <a:t>NCSU ISE</a:t>
+            </a:r>
+            <a:endParaRPr lang="en-US" kern="1200" dirty="0">
+              <a:solidFill>
+                <a:srgbClr val="898989"/>
+              </a:solidFill>
+              <a:latin typeface="+mn-lt"/>
+              <a:ea typeface="+mn-ea"/>
+              <a:cs typeface="+mn-cs"/>
+            </a:endParaRPr>
           </a:p>
         </p:txBody>
       </p:sp>
@@ -5827,7 +5844,7 @@
                 <a16:creationId xmlns:a16="http://schemas.microsoft.com/office/drawing/2014/main" id="{7CA0DAA6-33B8-4A25-810D-2F4D816FB40E}"/>
               </a:ext>
               <a:ext uri="{C183D7F6-B498-43B3-948B-1728B52AA6E4}">
-                <adec:decorative xmlns:adec="http://schemas.microsoft.com/office/drawing/2017/decorative" val="1"/>
+                <adec:decorative xmlns:adec="http://schemas.microsoft.com/office/drawing/2017/decorative" xmlns="" val="1"/>
               </a:ext>
             </a:extLst>
           </p:cNvPr>
@@ -5979,7 +5996,7 @@
               </a:spcAft>
             </a:pPr>
             <a:r>
-              <a:rPr lang="en-US" kern="1200" dirty="0">
+              <a:rPr lang="en-US" kern="1200" smtClean="0">
                 <a:solidFill>
                   <a:srgbClr val="898989"/>
                 </a:solidFill>
@@ -5987,18 +6004,7 @@
                 <a:ea typeface="+mn-ea"/>
                 <a:cs typeface="+mn-cs"/>
               </a:rPr>
-              <a:t>NCSU / </a:t>
-            </a:r>
-            <a:r>
-              <a:rPr lang="en-US" kern="1200" dirty="0" err="1">
-                <a:solidFill>
-                  <a:srgbClr val="898989"/>
-                </a:solidFill>
-                <a:latin typeface="+mn-lt"/>
-                <a:ea typeface="+mn-ea"/>
-                <a:cs typeface="+mn-cs"/>
-              </a:rPr>
-              <a:t>ISyE</a:t>
+              <a:t>NCSU ISE</a:t>
             </a:r>
             <a:endParaRPr lang="en-US" kern="1200" dirty="0">
               <a:solidFill>
@@ -7148,8 +7154,8 @@
           <a:lstStyle/>
           <a:p>
             <a:r>
-              <a:rPr lang="en-US"/>
-              <a:t>NCSU / ISyE</a:t>
+              <a:rPr lang="en-US" smtClean="0"/>
+              <a:t>NCSU ISE</a:t>
             </a:r>
             <a:endParaRPr lang="en-US" dirty="0"/>
           </a:p>
@@ -7291,8 +7297,8 @@
           <a:lstStyle/>
           <a:p>
             <a:r>
-              <a:rPr lang="en-US"/>
-              <a:t>NCSU / ISyE</a:t>
+              <a:rPr lang="en-US" smtClean="0"/>
+              <a:t>NCSU ISE</a:t>
             </a:r>
             <a:endParaRPr lang="en-US" dirty="0"/>
           </a:p>
@@ -7434,8 +7440,8 @@
           <a:lstStyle/>
           <a:p>
             <a:r>
-              <a:rPr lang="en-US"/>
-              <a:t>NCSU / ISyE</a:t>
+              <a:rPr lang="en-US" smtClean="0"/>
+              <a:t>NCSU ISE</a:t>
             </a:r>
             <a:endParaRPr lang="en-US" dirty="0"/>
           </a:p>

--- a/Final Presentation-ISE 555 Project.pptx
+++ b/Final Presentation-ISE 555 Project.pptx
@@ -5,10 +5,10 @@
     <p:sldMasterId id="2147483674" r:id="rId1"/>
   </p:sldMasterIdLst>
   <p:notesMasterIdLst>
-    <p:notesMasterId r:id="rId11"/>
+    <p:notesMasterId r:id="rId9"/>
   </p:notesMasterIdLst>
   <p:handoutMasterIdLst>
-    <p:handoutMasterId r:id="rId12"/>
+    <p:handoutMasterId r:id="rId10"/>
   </p:handoutMasterIdLst>
   <p:sldIdLst>
     <p:sldId id="272" r:id="rId2"/>
@@ -17,9 +17,7 @@
     <p:sldId id="275" r:id="rId5"/>
     <p:sldId id="280" r:id="rId6"/>
     <p:sldId id="279" r:id="rId7"/>
-    <p:sldId id="276" r:id="rId8"/>
-    <p:sldId id="281" r:id="rId9"/>
-    <p:sldId id="282" r:id="rId10"/>
+    <p:sldId id="282" r:id="rId8"/>
   </p:sldIdLst>
   <p:sldSz cx="12192000" cy="6858000"/>
   <p:notesSz cx="6858000" cy="9144000"/>
@@ -211,7 +209,7 @@
           <a:p>
             <a:fld id="{70030E3E-5D6A-4B5F-B79B-D42A43337D3A}" type="datetimeFigureOut">
               <a:rPr lang="en-US" smtClean="0"/>
-              <a:t>11/29/2021</a:t>
+              <a:t>12/1/2021</a:t>
             </a:fld>
             <a:endParaRPr lang="en-US"/>
           </a:p>
@@ -380,7 +378,7 @@
           <a:p>
             <a:fld id="{741EB3BD-8E3B-4140-8486-719942EDE056}" type="datetimeFigureOut">
               <a:rPr lang="en-US" smtClean="0"/>
-              <a:t>11/29/2021</a:t>
+              <a:t>12/1/2021</a:t>
             </a:fld>
             <a:endParaRPr lang="en-US"/>
           </a:p>
@@ -762,7 +760,7 @@
           <a:lstStyle/>
           <a:p>
             <a:r>
-              <a:rPr lang="en-US" smtClean="0"/>
+              <a:rPr lang="en-US"/>
               <a:t>NCSU ISE</a:t>
             </a:r>
             <a:endParaRPr lang="en-US" dirty="0"/>
@@ -1566,7 +1564,7 @@
           </a:lstStyle>
           <a:p>
             <a:r>
-              <a:rPr lang="en-US" smtClean="0"/>
+              <a:rPr lang="en-US"/>
               <a:t>NCSU ISE</a:t>
             </a:r>
             <a:endParaRPr lang="en-US" dirty="0"/>
@@ -1647,7 +1645,7 @@
   <p:clrMapOvr>
     <a:masterClrMapping/>
   </p:clrMapOvr>
-  <p:extLst mod="1">
+  <p:extLst>
     <p:ext uri="{DCECCB84-F9BA-43D5-87BE-67443E8EF086}">
       <p15:sldGuideLst xmlns:p15="http://schemas.microsoft.com/office/powerpoint/2012/main">
         <p15:guide id="1" orient="horz" pos="2160">
@@ -4053,7 +4051,7 @@
           <a:lstStyle/>
           <a:p>
             <a:r>
-              <a:rPr lang="en-US" smtClean="0"/>
+              <a:rPr lang="en-US"/>
               <a:t>NCSU ISE</a:t>
             </a:r>
             <a:endParaRPr lang="en-US" dirty="0"/>
@@ -4092,7 +4090,7 @@
         <p:spPr>
           <a:xfrm>
             <a:off x="818976" y="3851563"/>
-            <a:ext cx="10554107" cy="830997"/>
+            <a:ext cx="10554107" cy="523220"/>
           </a:xfrm>
           <a:prstGeom prst="rect">
             <a:avLst/>
@@ -4109,13 +4107,6 @@
             <a:r>
               <a:rPr lang="en-IN" sz="2800" b="1" dirty="0"/>
               <a:t>Digital Twins and Real Time Machine Monitoring using Fusion 360 API</a:t>
-            </a:r>
-          </a:p>
-          <a:p>
-            <a:pPr algn="ctr"/>
-            <a:r>
-              <a:rPr lang="en-IN" sz="2000" b="1" dirty="0"/>
-              <a:t>Final Project – ISE 555 – Digital Manufacturing</a:t>
             </a:r>
           </a:p>
         </p:txBody>
@@ -4281,13 +4272,8 @@
           <a:p>
             <a:r>
               <a:rPr lang="en-US" dirty="0"/>
-              <a:t>NCSU </a:t>
-            </a:r>
-            <a:r>
-              <a:rPr lang="en-US" dirty="0" smtClean="0"/>
-              <a:t>ISE</a:t>
-            </a:r>
-            <a:endParaRPr lang="en-US" dirty="0"/>
+              <a:t>NCSU ISE</a:t>
+            </a:r>
           </a:p>
         </p:txBody>
       </p:sp>
@@ -4907,13 +4893,8 @@
           <a:p>
             <a:r>
               <a:rPr lang="en-US" dirty="0"/>
-              <a:t>NCSU </a:t>
-            </a:r>
-            <a:r>
-              <a:rPr lang="en-US" dirty="0" smtClean="0"/>
-              <a:t>ISE</a:t>
-            </a:r>
-            <a:endParaRPr lang="en-US" dirty="0"/>
+              <a:t>NCSU ISE</a:t>
+            </a:r>
           </a:p>
         </p:txBody>
       </p:sp>
@@ -5011,13 +4992,8 @@
             </a:pPr>
             <a:r>
               <a:rPr lang="en-IN" sz="2400" b="1" dirty="0"/>
-              <a:t>A </a:t>
-            </a:r>
-            <a:r>
-              <a:rPr lang="en-IN" sz="2400" b="1" dirty="0" smtClean="0"/>
-              <a:t>Common Data Source (Unified Namespace): </a:t>
-            </a:r>
-            <a:endParaRPr lang="en-IN" sz="2400" b="1" dirty="0"/>
+              <a:t>A Common Data Source (Unified Namespace): </a:t>
+            </a:r>
           </a:p>
           <a:p>
             <a:pPr lvl="1"/>
@@ -5143,7 +5119,7 @@
                 <a16:creationId xmlns:a16="http://schemas.microsoft.com/office/drawing/2014/main" id="{7CA0DAA6-33B8-4A25-810D-2F4D816FB40E}"/>
               </a:ext>
               <a:ext uri="{C183D7F6-B498-43B3-948B-1728B52AA6E4}">
-                <adec:decorative xmlns:adec="http://schemas.microsoft.com/office/drawing/2017/decorative" xmlns="" val="1"/>
+                <adec:decorative xmlns:adec="http://schemas.microsoft.com/office/drawing/2017/decorative" val="1"/>
               </a:ext>
             </a:extLst>
           </p:cNvPr>
@@ -5337,7 +5313,7 @@
               </a:spcAft>
             </a:pPr>
             <a:r>
-              <a:rPr lang="en-US" kern="1200" dirty="0" smtClean="0">
+              <a:rPr lang="en-US" kern="1200" dirty="0">
                 <a:solidFill>
                   <a:srgbClr val="898989"/>
                 </a:solidFill>
@@ -5347,14 +5323,6 @@
               </a:rPr>
               <a:t>NCSU ISE</a:t>
             </a:r>
-            <a:endParaRPr lang="en-US" kern="1200" dirty="0">
-              <a:solidFill>
-                <a:srgbClr val="898989"/>
-              </a:solidFill>
-              <a:latin typeface="+mn-lt"/>
-              <a:ea typeface="+mn-ea"/>
-              <a:cs typeface="+mn-cs"/>
-            </a:endParaRPr>
           </a:p>
         </p:txBody>
       </p:sp>
@@ -5459,7 +5427,7 @@
                 <a16:creationId xmlns:a16="http://schemas.microsoft.com/office/drawing/2014/main" id="{7CA0DAA6-33B8-4A25-810D-2F4D816FB40E}"/>
               </a:ext>
               <a:ext uri="{C183D7F6-B498-43B3-948B-1728B52AA6E4}">
-                <adec:decorative xmlns:adec="http://schemas.microsoft.com/office/drawing/2017/decorative" xmlns="" val="1"/>
+                <adec:decorative xmlns:adec="http://schemas.microsoft.com/office/drawing/2017/decorative" val="1"/>
               </a:ext>
             </a:extLst>
           </p:cNvPr>
@@ -5602,7 +5570,7 @@
               </a:spcAft>
             </a:pPr>
             <a:r>
-              <a:rPr lang="en-US" kern="1200" smtClean="0">
+              <a:rPr lang="en-US" kern="1200">
                 <a:solidFill>
                   <a:srgbClr val="898989"/>
                 </a:solidFill>
@@ -5844,7 +5812,7 @@
                 <a16:creationId xmlns:a16="http://schemas.microsoft.com/office/drawing/2014/main" id="{7CA0DAA6-33B8-4A25-810D-2F4D816FB40E}"/>
               </a:ext>
               <a:ext uri="{C183D7F6-B498-43B3-948B-1728B52AA6E4}">
-                <adec:decorative xmlns:adec="http://schemas.microsoft.com/office/drawing/2017/decorative" xmlns="" val="1"/>
+                <adec:decorative xmlns:adec="http://schemas.microsoft.com/office/drawing/2017/decorative" val="1"/>
               </a:ext>
             </a:extLst>
           </p:cNvPr>
@@ -5996,7 +5964,7 @@
               </a:spcAft>
             </a:pPr>
             <a:r>
-              <a:rPr lang="en-US" kern="1200" smtClean="0">
+              <a:rPr lang="en-US" kern="1200">
                 <a:solidFill>
                   <a:srgbClr val="898989"/>
                 </a:solidFill>
@@ -7081,6 +7049,51 @@
                       </p:childTnLst>
                     </p:cTn>
                   </p:par>
+                  <p:par>
+                    <p:cTn id="37" fill="hold">
+                      <p:stCondLst>
+                        <p:cond delay="indefinite"/>
+                      </p:stCondLst>
+                      <p:childTnLst>
+                        <p:par>
+                          <p:cTn id="38" fill="hold">
+                            <p:stCondLst>
+                              <p:cond delay="0"/>
+                            </p:stCondLst>
+                            <p:childTnLst>
+                              <p:par>
+                                <p:cTn id="39" presetID="1" presetClass="entr" presetSubtype="0" fill="hold" grpId="0" nodeType="clickEffect">
+                                  <p:stCondLst>
+                                    <p:cond delay="0"/>
+                                  </p:stCondLst>
+                                  <p:childTnLst>
+                                    <p:set>
+                                      <p:cBhvr>
+                                        <p:cTn id="40" dur="1" fill="hold">
+                                          <p:stCondLst>
+                                            <p:cond delay="0"/>
+                                          </p:stCondLst>
+                                        </p:cTn>
+                                        <p:tgtEl>
+                                          <p:spTgt spid="22"/>
+                                        </p:tgtEl>
+                                        <p:attrNameLst>
+                                          <p:attrName>style.visibility</p:attrName>
+                                        </p:attrNameLst>
+                                      </p:cBhvr>
+                                      <p:to>
+                                        <p:strVal val="visible"/>
+                                      </p:to>
+                                    </p:set>
+                                  </p:childTnLst>
+                                </p:cTn>
+                              </p:par>
+                            </p:childTnLst>
+                          </p:cTn>
+                        </p:par>
+                      </p:childTnLst>
+                    </p:cTn>
+                  </p:par>
                 </p:childTnLst>
               </p:cTn>
               <p:prevCondLst>
@@ -7110,6 +7123,7 @@
       <p:bldP spid="21" grpId="0" animBg="1"/>
       <p:bldP spid="25" grpId="0" animBg="1"/>
       <p:bldP spid="26" grpId="0" animBg="1"/>
+      <p:bldP spid="22" grpId="0"/>
     </p:bldLst>
   </p:timing>
 </p:sld>
@@ -7137,292 +7151,6 @@
           <p:cNvPr id="3" name="Footer Placeholder 2">
             <a:extLst>
               <a:ext uri="{FF2B5EF4-FFF2-40B4-BE49-F238E27FC236}">
-                <a16:creationId xmlns:a16="http://schemas.microsoft.com/office/drawing/2014/main" id="{E904B72F-5EAA-43D0-A5A9-48D01F39CCEC}"/>
-              </a:ext>
-            </a:extLst>
-          </p:cNvPr>
-          <p:cNvSpPr>
-            <a:spLocks noGrp="1"/>
-          </p:cNvSpPr>
-          <p:nvPr>
-            <p:ph type="ftr" sz="quarter" idx="11"/>
-          </p:nvPr>
-        </p:nvSpPr>
-        <p:spPr/>
-        <p:txBody>
-          <a:bodyPr/>
-          <a:lstStyle/>
-          <a:p>
-            <a:r>
-              <a:rPr lang="en-US" smtClean="0"/>
-              <a:t>NCSU ISE</a:t>
-            </a:r>
-            <a:endParaRPr lang="en-US" dirty="0"/>
-          </a:p>
-        </p:txBody>
-      </p:sp>
-      <p:sp>
-        <p:nvSpPr>
-          <p:cNvPr id="4" name="Slide Number Placeholder 3">
-            <a:extLst>
-              <a:ext uri="{FF2B5EF4-FFF2-40B4-BE49-F238E27FC236}">
-                <a16:creationId xmlns:a16="http://schemas.microsoft.com/office/drawing/2014/main" id="{570E1421-D38B-484D-95FE-94B77FA01203}"/>
-              </a:ext>
-            </a:extLst>
-          </p:cNvPr>
-          <p:cNvSpPr>
-            <a:spLocks noGrp="1"/>
-          </p:cNvSpPr>
-          <p:nvPr>
-            <p:ph type="sldNum" sz="quarter" idx="12"/>
-          </p:nvPr>
-        </p:nvSpPr>
-        <p:spPr/>
-        <p:txBody>
-          <a:bodyPr/>
-          <a:lstStyle/>
-          <a:p>
-            <a:fld id="{603E54EA-3A53-4FDE-85B5-2BC8D7B1DC99}" type="slidenum">
-              <a:rPr lang="en-US" smtClean="0"/>
-              <a:t>7</a:t>
-            </a:fld>
-            <a:endParaRPr lang="en-US"/>
-          </a:p>
-        </p:txBody>
-      </p:sp>
-      <p:sp>
-        <p:nvSpPr>
-          <p:cNvPr id="5" name="Title 1">
-            <a:extLst>
-              <a:ext uri="{FF2B5EF4-FFF2-40B4-BE49-F238E27FC236}">
-                <a16:creationId xmlns:a16="http://schemas.microsoft.com/office/drawing/2014/main" id="{700C3915-0A5D-4C5E-BF0C-6FA3F27AE796}"/>
-              </a:ext>
-            </a:extLst>
-          </p:cNvPr>
-          <p:cNvSpPr txBox="1">
-            <a:spLocks/>
-          </p:cNvSpPr>
-          <p:nvPr/>
-        </p:nvSpPr>
-        <p:spPr>
-          <a:xfrm>
-            <a:off x="342405" y="392059"/>
-            <a:ext cx="5434643" cy="461962"/>
-          </a:xfrm>
-          <a:prstGeom prst="rect">
-            <a:avLst/>
-          </a:prstGeom>
-        </p:spPr>
-        <p:txBody>
-          <a:bodyPr vert="horz" lIns="91440" tIns="45720" rIns="91440" bIns="45720" rtlCol="0" anchor="ctr">
-            <a:noAutofit/>
-          </a:bodyPr>
-          <a:lstStyle>
-            <a:lvl1pPr algn="l" defTabSz="514337" rtl="0" eaLnBrk="1" latinLnBrk="0" hangingPunct="1">
-              <a:lnSpc>
-                <a:spcPct val="90000"/>
-              </a:lnSpc>
-              <a:spcBef>
-                <a:spcPct val="0"/>
-              </a:spcBef>
-              <a:buNone/>
-              <a:defRPr lang="en-US" sz="2400" b="1" kern="1200" dirty="0">
-                <a:solidFill>
-                  <a:schemeClr val="tx1"/>
-                </a:solidFill>
-                <a:latin typeface="+mn-lt"/>
-                <a:ea typeface="+mj-ea"/>
-                <a:cs typeface="+mj-cs"/>
-              </a:defRPr>
-            </a:lvl1pPr>
-          </a:lstStyle>
-          <a:p>
-            <a:pPr algn="just"/>
-            <a:r>
-              <a:rPr lang="en-IN" sz="3600" dirty="0"/>
-              <a:t>Demonstration</a:t>
-            </a:r>
-          </a:p>
-        </p:txBody>
-      </p:sp>
-    </p:spTree>
-    <p:extLst>
-      <p:ext uri="{BB962C8B-B14F-4D97-AF65-F5344CB8AC3E}">
-        <p14:creationId xmlns:p14="http://schemas.microsoft.com/office/powerpoint/2010/main" val="1692786143"/>
-      </p:ext>
-    </p:extLst>
-  </p:cSld>
-  <p:clrMapOvr>
-    <a:masterClrMapping/>
-  </p:clrMapOvr>
-</p:sld>
-</file>
-
-<file path=ppt/slides/slide8.xml><?xml version="1.0" encoding="utf-8"?>
-<p:sld xmlns:a="http://schemas.openxmlformats.org/drawingml/2006/main" xmlns:r="http://schemas.openxmlformats.org/officeDocument/2006/relationships" xmlns:p="http://schemas.openxmlformats.org/presentationml/2006/main">
-  <p:cSld>
-    <p:spTree>
-      <p:nvGrpSpPr>
-        <p:cNvPr id="1" name=""/>
-        <p:cNvGrpSpPr/>
-        <p:nvPr/>
-      </p:nvGrpSpPr>
-      <p:grpSpPr>
-        <a:xfrm>
-          <a:off x="0" y="0"/>
-          <a:ext cx="0" cy="0"/>
-          <a:chOff x="0" y="0"/>
-          <a:chExt cx="0" cy="0"/>
-        </a:xfrm>
-      </p:grpSpPr>
-      <p:sp>
-        <p:nvSpPr>
-          <p:cNvPr id="3" name="Footer Placeholder 2">
-            <a:extLst>
-              <a:ext uri="{FF2B5EF4-FFF2-40B4-BE49-F238E27FC236}">
-                <a16:creationId xmlns:a16="http://schemas.microsoft.com/office/drawing/2014/main" id="{EC8983A6-FCFE-40CF-B0CD-77080885D86F}"/>
-              </a:ext>
-            </a:extLst>
-          </p:cNvPr>
-          <p:cNvSpPr>
-            <a:spLocks noGrp="1"/>
-          </p:cNvSpPr>
-          <p:nvPr>
-            <p:ph type="ftr" sz="quarter" idx="11"/>
-          </p:nvPr>
-        </p:nvSpPr>
-        <p:spPr/>
-        <p:txBody>
-          <a:bodyPr/>
-          <a:lstStyle/>
-          <a:p>
-            <a:r>
-              <a:rPr lang="en-US" smtClean="0"/>
-              <a:t>NCSU ISE</a:t>
-            </a:r>
-            <a:endParaRPr lang="en-US" dirty="0"/>
-          </a:p>
-        </p:txBody>
-      </p:sp>
-      <p:sp>
-        <p:nvSpPr>
-          <p:cNvPr id="4" name="Slide Number Placeholder 3">
-            <a:extLst>
-              <a:ext uri="{FF2B5EF4-FFF2-40B4-BE49-F238E27FC236}">
-                <a16:creationId xmlns:a16="http://schemas.microsoft.com/office/drawing/2014/main" id="{1AF334FC-6E52-4397-8F28-263546A3366A}"/>
-              </a:ext>
-            </a:extLst>
-          </p:cNvPr>
-          <p:cNvSpPr>
-            <a:spLocks noGrp="1"/>
-          </p:cNvSpPr>
-          <p:nvPr>
-            <p:ph type="sldNum" sz="quarter" idx="12"/>
-          </p:nvPr>
-        </p:nvSpPr>
-        <p:spPr/>
-        <p:txBody>
-          <a:bodyPr/>
-          <a:lstStyle/>
-          <a:p>
-            <a:fld id="{603E54EA-3A53-4FDE-85B5-2BC8D7B1DC99}" type="slidenum">
-              <a:rPr lang="en-US" smtClean="0"/>
-              <a:t>8</a:t>
-            </a:fld>
-            <a:endParaRPr lang="en-US"/>
-          </a:p>
-        </p:txBody>
-      </p:sp>
-      <p:sp>
-        <p:nvSpPr>
-          <p:cNvPr id="5" name="Title 1">
-            <a:extLst>
-              <a:ext uri="{FF2B5EF4-FFF2-40B4-BE49-F238E27FC236}">
-                <a16:creationId xmlns:a16="http://schemas.microsoft.com/office/drawing/2014/main" id="{E429F74D-316B-4FC5-BBDC-BAB85F31923D}"/>
-              </a:ext>
-            </a:extLst>
-          </p:cNvPr>
-          <p:cNvSpPr txBox="1">
-            <a:spLocks/>
-          </p:cNvSpPr>
-          <p:nvPr/>
-        </p:nvSpPr>
-        <p:spPr>
-          <a:xfrm>
-            <a:off x="342405" y="392059"/>
-            <a:ext cx="5434643" cy="461962"/>
-          </a:xfrm>
-          <a:prstGeom prst="rect">
-            <a:avLst/>
-          </a:prstGeom>
-        </p:spPr>
-        <p:txBody>
-          <a:bodyPr vert="horz" lIns="91440" tIns="45720" rIns="91440" bIns="45720" rtlCol="0" anchor="ctr">
-            <a:noAutofit/>
-          </a:bodyPr>
-          <a:lstStyle>
-            <a:lvl1pPr algn="l" defTabSz="514337" rtl="0" eaLnBrk="1" latinLnBrk="0" hangingPunct="1">
-              <a:lnSpc>
-                <a:spcPct val="90000"/>
-              </a:lnSpc>
-              <a:spcBef>
-                <a:spcPct val="0"/>
-              </a:spcBef>
-              <a:buNone/>
-              <a:defRPr lang="en-US" sz="2400" b="1" kern="1200" dirty="0">
-                <a:solidFill>
-                  <a:schemeClr val="tx1"/>
-                </a:solidFill>
-                <a:latin typeface="+mn-lt"/>
-                <a:ea typeface="+mj-ea"/>
-                <a:cs typeface="+mj-cs"/>
-              </a:defRPr>
-            </a:lvl1pPr>
-          </a:lstStyle>
-          <a:p>
-            <a:pPr algn="just"/>
-            <a:r>
-              <a:rPr lang="en-IN" sz="3600" dirty="0"/>
-              <a:t>Future Work</a:t>
-            </a:r>
-          </a:p>
-        </p:txBody>
-      </p:sp>
-    </p:spTree>
-    <p:extLst>
-      <p:ext uri="{BB962C8B-B14F-4D97-AF65-F5344CB8AC3E}">
-        <p14:creationId xmlns:p14="http://schemas.microsoft.com/office/powerpoint/2010/main" val="295990423"/>
-      </p:ext>
-    </p:extLst>
-  </p:cSld>
-  <p:clrMapOvr>
-    <a:masterClrMapping/>
-  </p:clrMapOvr>
-</p:sld>
-</file>
-
-<file path=ppt/slides/slide9.xml><?xml version="1.0" encoding="utf-8"?>
-<p:sld xmlns:a="http://schemas.openxmlformats.org/drawingml/2006/main" xmlns:r="http://schemas.openxmlformats.org/officeDocument/2006/relationships" xmlns:p="http://schemas.openxmlformats.org/presentationml/2006/main">
-  <p:cSld>
-    <p:spTree>
-      <p:nvGrpSpPr>
-        <p:cNvPr id="1" name=""/>
-        <p:cNvGrpSpPr/>
-        <p:nvPr/>
-      </p:nvGrpSpPr>
-      <p:grpSpPr>
-        <a:xfrm>
-          <a:off x="0" y="0"/>
-          <a:ext cx="0" cy="0"/>
-          <a:chOff x="0" y="0"/>
-          <a:chExt cx="0" cy="0"/>
-        </a:xfrm>
-      </p:grpSpPr>
-      <p:sp>
-        <p:nvSpPr>
-          <p:cNvPr id="3" name="Footer Placeholder 2">
-            <a:extLst>
-              <a:ext uri="{FF2B5EF4-FFF2-40B4-BE49-F238E27FC236}">
                 <a16:creationId xmlns:a16="http://schemas.microsoft.com/office/drawing/2014/main" id="{594628FF-3313-4D72-8A94-5E243A77A7C8}"/>
               </a:ext>
             </a:extLst>
@@ -7440,7 +7168,7 @@
           <a:lstStyle/>
           <a:p>
             <a:r>
-              <a:rPr lang="en-US" smtClean="0"/>
+              <a:rPr lang="en-US"/>
               <a:t>NCSU ISE</a:t>
             </a:r>
             <a:endParaRPr lang="en-US" dirty="0"/>
@@ -7470,7 +7198,7 @@
           <a:p>
             <a:fld id="{603E54EA-3A53-4FDE-85B5-2BC8D7B1DC99}" type="slidenum">
               <a:rPr lang="en-US" smtClean="0"/>
-              <a:t>9</a:t>
+              <a:t>7</a:t>
             </a:fld>
             <a:endParaRPr lang="en-US"/>
           </a:p>
